--- a/other/eksamen_lisbeth.pptx
+++ b/other/eksamen_lisbeth.pptx
@@ -199,7 +199,7 @@
           <a:p>
             <a:fld id="{BAB9633D-94ED-47F1-BEE0-647121B38000}" type="datetimeFigureOut">
               <a:rPr lang="da-DK" smtClean="0"/>
-              <a:t>12-01-2014</a:t>
+              <a:t>13-01-2014</a:t>
             </a:fld>
             <a:endParaRPr lang="da-DK"/>
           </a:p>
@@ -360,13 +360,18 @@
           <a:p>
             <a:fld id="{579256AD-1A09-4CBD-9906-9A73F7DB110C}" type="slidenum">
               <a:rPr lang="da-DK" smtClean="0"/>
-              <a:t>‹nr.›</a:t>
+              <a:t>‹#›</a:t>
             </a:fld>
             <a:endParaRPr lang="da-DK"/>
           </a:p>
         </p:txBody>
       </p:sp>
     </p:spTree>
+    <p:extLst>
+      <p:ext uri="{BB962C8B-B14F-4D97-AF65-F5344CB8AC3E}">
+        <p14:creationId xmlns:p14="http://schemas.microsoft.com/office/powerpoint/2010/main" val="277892159"/>
+      </p:ext>
+    </p:extLst>
   </p:cSld>
   <p:clrMap bg1="lt1" tx1="dk1" bg2="lt2" tx2="dk2" accent1="accent1" accent2="accent2" accent3="accent3" accent4="accent4" accent5="accent5" accent6="accent6" hlink="hlink" folHlink="folHlink"/>
   <p:notesStyle>
@@ -1160,7 +1165,7 @@
           <a:p>
             <a:fld id="{B5E55C92-F238-41B9-B954-F8425DE16AAE}" type="datetimeFigureOut">
               <a:rPr lang="da-DK" smtClean="0"/>
-              <a:t>12-01-2014</a:t>
+              <a:t>13-01-2014</a:t>
             </a:fld>
             <a:endParaRPr lang="da-DK"/>
           </a:p>
@@ -1202,7 +1207,7 @@
           <a:p>
             <a:fld id="{6B0605E9-F2B0-4F5F-87A4-98631F11CC4A}" type="slidenum">
               <a:rPr lang="da-DK" smtClean="0"/>
-              <a:t>‹nr.›</a:t>
+              <a:t>‹#›</a:t>
             </a:fld>
             <a:endParaRPr lang="da-DK"/>
           </a:p>
@@ -1325,7 +1330,7 @@
           <a:p>
             <a:fld id="{B5E55C92-F238-41B9-B954-F8425DE16AAE}" type="datetimeFigureOut">
               <a:rPr lang="da-DK" smtClean="0"/>
-              <a:t>12-01-2014</a:t>
+              <a:t>13-01-2014</a:t>
             </a:fld>
             <a:endParaRPr lang="da-DK"/>
           </a:p>
@@ -1367,7 +1372,7 @@
           <a:p>
             <a:fld id="{6B0605E9-F2B0-4F5F-87A4-98631F11CC4A}" type="slidenum">
               <a:rPr lang="da-DK" smtClean="0"/>
-              <a:t>‹nr.›</a:t>
+              <a:t>‹#›</a:t>
             </a:fld>
             <a:endParaRPr lang="da-DK"/>
           </a:p>
@@ -1500,7 +1505,7 @@
           <a:p>
             <a:fld id="{B5E55C92-F238-41B9-B954-F8425DE16AAE}" type="datetimeFigureOut">
               <a:rPr lang="da-DK" smtClean="0"/>
-              <a:t>12-01-2014</a:t>
+              <a:t>13-01-2014</a:t>
             </a:fld>
             <a:endParaRPr lang="da-DK"/>
           </a:p>
@@ -1542,7 +1547,7 @@
           <a:p>
             <a:fld id="{6B0605E9-F2B0-4F5F-87A4-98631F11CC4A}" type="slidenum">
               <a:rPr lang="da-DK" smtClean="0"/>
-              <a:t>‹nr.›</a:t>
+              <a:t>‹#›</a:t>
             </a:fld>
             <a:endParaRPr lang="da-DK"/>
           </a:p>
@@ -1665,7 +1670,7 @@
           <a:p>
             <a:fld id="{B5E55C92-F238-41B9-B954-F8425DE16AAE}" type="datetimeFigureOut">
               <a:rPr lang="da-DK" smtClean="0"/>
-              <a:t>12-01-2014</a:t>
+              <a:t>13-01-2014</a:t>
             </a:fld>
             <a:endParaRPr lang="da-DK"/>
           </a:p>
@@ -1707,7 +1712,7 @@
           <a:p>
             <a:fld id="{6B0605E9-F2B0-4F5F-87A4-98631F11CC4A}" type="slidenum">
               <a:rPr lang="da-DK" smtClean="0"/>
-              <a:t>‹nr.›</a:t>
+              <a:t>‹#›</a:t>
             </a:fld>
             <a:endParaRPr lang="da-DK"/>
           </a:p>
@@ -1906,7 +1911,7 @@
           <a:p>
             <a:fld id="{B5E55C92-F238-41B9-B954-F8425DE16AAE}" type="datetimeFigureOut">
               <a:rPr lang="da-DK" smtClean="0"/>
-              <a:t>12-01-2014</a:t>
+              <a:t>13-01-2014</a:t>
             </a:fld>
             <a:endParaRPr lang="da-DK"/>
           </a:p>
@@ -1948,7 +1953,7 @@
           <a:p>
             <a:fld id="{6B0605E9-F2B0-4F5F-87A4-98631F11CC4A}" type="slidenum">
               <a:rPr lang="da-DK" smtClean="0"/>
-              <a:t>‹nr.›</a:t>
+              <a:t>‹#›</a:t>
             </a:fld>
             <a:endParaRPr lang="da-DK"/>
           </a:p>
@@ -2189,7 +2194,7 @@
           <a:p>
             <a:fld id="{B5E55C92-F238-41B9-B954-F8425DE16AAE}" type="datetimeFigureOut">
               <a:rPr lang="da-DK" smtClean="0"/>
-              <a:t>12-01-2014</a:t>
+              <a:t>13-01-2014</a:t>
             </a:fld>
             <a:endParaRPr lang="da-DK"/>
           </a:p>
@@ -2231,7 +2236,7 @@
           <a:p>
             <a:fld id="{6B0605E9-F2B0-4F5F-87A4-98631F11CC4A}" type="slidenum">
               <a:rPr lang="da-DK" smtClean="0"/>
-              <a:t>‹nr.›</a:t>
+              <a:t>‹#›</a:t>
             </a:fld>
             <a:endParaRPr lang="da-DK"/>
           </a:p>
@@ -2606,7 +2611,7 @@
           <a:p>
             <a:fld id="{B5E55C92-F238-41B9-B954-F8425DE16AAE}" type="datetimeFigureOut">
               <a:rPr lang="da-DK" smtClean="0"/>
-              <a:t>12-01-2014</a:t>
+              <a:t>13-01-2014</a:t>
             </a:fld>
             <a:endParaRPr lang="da-DK"/>
           </a:p>
@@ -2648,7 +2653,7 @@
           <a:p>
             <a:fld id="{6B0605E9-F2B0-4F5F-87A4-98631F11CC4A}" type="slidenum">
               <a:rPr lang="da-DK" smtClean="0"/>
-              <a:t>‹nr.›</a:t>
+              <a:t>‹#›</a:t>
             </a:fld>
             <a:endParaRPr lang="da-DK"/>
           </a:p>
@@ -2719,7 +2724,7 @@
           <a:p>
             <a:fld id="{B5E55C92-F238-41B9-B954-F8425DE16AAE}" type="datetimeFigureOut">
               <a:rPr lang="da-DK" smtClean="0"/>
-              <a:t>12-01-2014</a:t>
+              <a:t>13-01-2014</a:t>
             </a:fld>
             <a:endParaRPr lang="da-DK"/>
           </a:p>
@@ -2761,7 +2766,7 @@
           <a:p>
             <a:fld id="{6B0605E9-F2B0-4F5F-87A4-98631F11CC4A}" type="slidenum">
               <a:rPr lang="da-DK" smtClean="0"/>
-              <a:t>‹nr.›</a:t>
+              <a:t>‹#›</a:t>
             </a:fld>
             <a:endParaRPr lang="da-DK"/>
           </a:p>
@@ -2809,7 +2814,7 @@
           <a:p>
             <a:fld id="{B5E55C92-F238-41B9-B954-F8425DE16AAE}" type="datetimeFigureOut">
               <a:rPr lang="da-DK" smtClean="0"/>
-              <a:t>12-01-2014</a:t>
+              <a:t>13-01-2014</a:t>
             </a:fld>
             <a:endParaRPr lang="da-DK"/>
           </a:p>
@@ -2851,7 +2856,7 @@
           <a:p>
             <a:fld id="{6B0605E9-F2B0-4F5F-87A4-98631F11CC4A}" type="slidenum">
               <a:rPr lang="da-DK" smtClean="0"/>
-              <a:t>‹nr.›</a:t>
+              <a:t>‹#›</a:t>
             </a:fld>
             <a:endParaRPr lang="da-DK"/>
           </a:p>
@@ -3081,7 +3086,7 @@
           <a:p>
             <a:fld id="{B5E55C92-F238-41B9-B954-F8425DE16AAE}" type="datetimeFigureOut">
               <a:rPr lang="da-DK" smtClean="0"/>
-              <a:t>12-01-2014</a:t>
+              <a:t>13-01-2014</a:t>
             </a:fld>
             <a:endParaRPr lang="da-DK"/>
           </a:p>
@@ -3123,7 +3128,7 @@
           <a:p>
             <a:fld id="{6B0605E9-F2B0-4F5F-87A4-98631F11CC4A}" type="slidenum">
               <a:rPr lang="da-DK" smtClean="0"/>
-              <a:t>‹nr.›</a:t>
+              <a:t>‹#›</a:t>
             </a:fld>
             <a:endParaRPr lang="da-DK"/>
           </a:p>
@@ -3329,7 +3334,7 @@
           <a:p>
             <a:fld id="{B5E55C92-F238-41B9-B954-F8425DE16AAE}" type="datetimeFigureOut">
               <a:rPr lang="da-DK" smtClean="0"/>
-              <a:t>12-01-2014</a:t>
+              <a:t>13-01-2014</a:t>
             </a:fld>
             <a:endParaRPr lang="da-DK"/>
           </a:p>
@@ -3371,7 +3376,7 @@
           <a:p>
             <a:fld id="{6B0605E9-F2B0-4F5F-87A4-98631F11CC4A}" type="slidenum">
               <a:rPr lang="da-DK" smtClean="0"/>
-              <a:t>‹nr.›</a:t>
+              <a:t>‹#›</a:t>
             </a:fld>
             <a:endParaRPr lang="da-DK"/>
           </a:p>
@@ -3537,7 +3542,7 @@
           <a:p>
             <a:fld id="{B5E55C92-F238-41B9-B954-F8425DE16AAE}" type="datetimeFigureOut">
               <a:rPr lang="da-DK" smtClean="0"/>
-              <a:t>12-01-2014</a:t>
+              <a:t>13-01-2014</a:t>
             </a:fld>
             <a:endParaRPr lang="da-DK"/>
           </a:p>
@@ -3615,7 +3620,7 @@
           <a:p>
             <a:fld id="{6B0605E9-F2B0-4F5F-87A4-98631F11CC4A}" type="slidenum">
               <a:rPr lang="da-DK" smtClean="0"/>
-              <a:t>‹nr.›</a:t>
+              <a:t>‹#›</a:t>
             </a:fld>
             <a:endParaRPr lang="da-DK"/>
           </a:p>
@@ -4097,8 +4102,12 @@
               <a:buNone/>
             </a:pPr>
             <a:r>
+              <a:rPr lang="da-DK" sz="2400" smtClean="0"/>
+              <a:t>       (&lt;</a:t>
+            </a:r>
+            <a:r>
               <a:rPr lang="da-DK" sz="2400" dirty="0" smtClean="0"/>
-              <a:t>|     (&lt;ActionsetSet1&gt;&lt;ConditionSet1&gt;)*</a:t>
+              <a:t>ActionsetSet1&gt;&lt;ConditionSet1&gt;)*</a:t>
             </a:r>
           </a:p>
           <a:p>
@@ -4293,11 +4302,7 @@
           <a:p>
             <a:r>
               <a:rPr lang="en-US" dirty="0" smtClean="0"/>
-              <a:t>Rules can conflict - </a:t>
-            </a:r>
-            <a:r>
-              <a:rPr lang="en-US" dirty="0" smtClean="0"/>
-              <a:t>precedence</a:t>
+              <a:t>Rules can conflict - precedence</a:t>
             </a:r>
             <a:endParaRPr lang="en-US" dirty="0"/>
           </a:p>
